--- a/WebContent/WEB-INF/templates/25th Anniversary/prefix.pptx
+++ b/WebContent/WEB-INF/templates/25th Anniversary/prefix.pptx
@@ -202,7 +202,7 @@
           <a:p>
             <a:fld id="{4A03472A-F286-9543-9F65-E88EC153A9C1}" type="datetimeFigureOut">
               <a:rPr lang="en-US" smtClean="0"/>
-              <a:t>3/18/17</a:t>
+              <a:t>5/13/17</a:t>
             </a:fld>
             <a:endParaRPr lang="en-US"/>
           </a:p>
@@ -552,7 +552,7 @@
           </a:ln>
           <a:extLst>
             <a:ext uri="{AF507438-7753-43e0-B8FC-AC1667EBCBE1}">
-              <a14:hiddenEffects xmlns:a14="http://schemas.microsoft.com/office/drawing/2010/main" xmlns="">
+              <a14:hiddenEffects xmlns="" xmlns:a14="http://schemas.microsoft.com/office/drawing/2010/main">
                 <a:effectLst>
                   <a:outerShdw blurRad="63500" dist="38099" dir="2700000" algn="ctr" rotWithShape="0">
                     <a:srgbClr val="000000">
@@ -587,14 +587,14 @@
           <a:ln/>
           <a:extLst>
             <a:ext uri="{909E8E84-426E-40dd-AFC4-6F175D3DCCD1}">
-              <a14:hiddenFill xmlns:a14="http://schemas.microsoft.com/office/drawing/2010/main" xmlns="">
+              <a14:hiddenFill xmlns="" xmlns:a14="http://schemas.microsoft.com/office/drawing/2010/main">
                 <a:solidFill>
                   <a:srgbClr val="FFFFFF"/>
                 </a:solidFill>
               </a14:hiddenFill>
             </a:ext>
             <a:ext uri="{91240B29-F687-4f45-9708-019B960494DF}">
-              <a14:hiddenLine xmlns:a14="http://schemas.microsoft.com/office/drawing/2010/main" xmlns="" w="9525" cap="flat">
+              <a14:hiddenLine xmlns="" xmlns:a14="http://schemas.microsoft.com/office/drawing/2010/main" w="9525" cap="flat">
                 <a:solidFill>
                   <a:srgbClr val="808080"/>
                 </a:solidFill>
@@ -604,7 +604,7 @@
               </a14:hiddenLine>
             </a:ext>
             <a:ext uri="{AF507438-7753-43e0-B8FC-AC1667EBCBE1}">
-              <a14:hiddenEffects xmlns:a14="http://schemas.microsoft.com/office/drawing/2010/main" xmlns="">
+              <a14:hiddenEffects xmlns="" xmlns:a14="http://schemas.microsoft.com/office/drawing/2010/main">
                 <a:effectLst>
                   <a:outerShdw blurRad="63500" dist="38099" dir="2700000" algn="ctr" rotWithShape="0">
                     <a:srgbClr val="000000">
@@ -719,7 +719,7 @@
           </a:ln>
           <a:extLst>
             <a:ext uri="{AF507438-7753-43e0-B8FC-AC1667EBCBE1}">
-              <a14:hiddenEffects xmlns:a14="http://schemas.microsoft.com/office/drawing/2010/main" xmlns="">
+              <a14:hiddenEffects xmlns="" xmlns:a14="http://schemas.microsoft.com/office/drawing/2010/main">
                 <a:effectLst>
                   <a:outerShdw blurRad="63500" dist="38099" dir="2700000" algn="ctr" rotWithShape="0">
                     <a:srgbClr val="000000">
@@ -754,14 +754,14 @@
           <a:ln/>
           <a:extLst>
             <a:ext uri="{909E8E84-426E-40dd-AFC4-6F175D3DCCD1}">
-              <a14:hiddenFill xmlns:a14="http://schemas.microsoft.com/office/drawing/2010/main" xmlns="">
+              <a14:hiddenFill xmlns="" xmlns:a14="http://schemas.microsoft.com/office/drawing/2010/main">
                 <a:solidFill>
                   <a:srgbClr val="FFFFFF"/>
                 </a:solidFill>
               </a14:hiddenFill>
             </a:ext>
             <a:ext uri="{91240B29-F687-4f45-9708-019B960494DF}">
-              <a14:hiddenLine xmlns:a14="http://schemas.microsoft.com/office/drawing/2010/main" xmlns="" w="9525" cap="flat">
+              <a14:hiddenLine xmlns="" xmlns:a14="http://schemas.microsoft.com/office/drawing/2010/main" w="9525" cap="flat">
                 <a:solidFill>
                   <a:srgbClr val="808080"/>
                 </a:solidFill>
@@ -771,7 +771,7 @@
               </a14:hiddenLine>
             </a:ext>
             <a:ext uri="{AF507438-7753-43e0-B8FC-AC1667EBCBE1}">
-              <a14:hiddenEffects xmlns:a14="http://schemas.microsoft.com/office/drawing/2010/main" xmlns="">
+              <a14:hiddenEffects xmlns="" xmlns:a14="http://schemas.microsoft.com/office/drawing/2010/main">
                 <a:effectLst>
                   <a:outerShdw blurRad="63500" dist="38099" dir="2700000" algn="ctr" rotWithShape="0">
                     <a:srgbClr val="000000">
@@ -1034,7 +1034,7 @@
           <a:p>
             <a:fld id="{D0EB8BDA-D505-2D4C-A404-933AA441AD23}" type="datetimeFigureOut">
               <a:rPr lang="en-US" smtClean="0"/>
-              <a:t>3/18/17</a:t>
+              <a:t>5/13/17</a:t>
             </a:fld>
             <a:endParaRPr lang="en-US"/>
           </a:p>
@@ -1244,7 +1244,7 @@
           <a:p>
             <a:fld id="{D0EB8BDA-D505-2D4C-A404-933AA441AD23}" type="datetimeFigureOut">
               <a:rPr lang="en-US" smtClean="0"/>
-              <a:t>3/18/17</a:t>
+              <a:t>5/13/17</a:t>
             </a:fld>
             <a:endParaRPr lang="en-US"/>
           </a:p>
@@ -1466,7 +1466,7 @@
           <a:p>
             <a:fld id="{5403ACA4-5A36-1D4B-9385-9AF87ADF2C6A}" type="datetimeFigureOut">
               <a:rPr lang="en-US" smtClean="0"/>
-              <a:t>3/18/17</a:t>
+              <a:t>5/13/17</a:t>
             </a:fld>
             <a:endParaRPr lang="en-US"/>
           </a:p>
@@ -1676,7 +1676,7 @@
           <a:p>
             <a:fld id="{5403ACA4-5A36-1D4B-9385-9AF87ADF2C6A}" type="datetimeFigureOut">
               <a:rPr lang="en-US" smtClean="0"/>
-              <a:t>3/18/17</a:t>
+              <a:t>5/13/17</a:t>
             </a:fld>
             <a:endParaRPr lang="en-US"/>
           </a:p>
@@ -1952,7 +1952,7 @@
           <a:p>
             <a:fld id="{5403ACA4-5A36-1D4B-9385-9AF87ADF2C6A}" type="datetimeFigureOut">
               <a:rPr lang="en-US" smtClean="0"/>
-              <a:t>3/18/17</a:t>
+              <a:t>5/13/17</a:t>
             </a:fld>
             <a:endParaRPr lang="en-US"/>
           </a:p>
@@ -2222,7 +2222,7 @@
           <a:p>
             <a:fld id="{5403ACA4-5A36-1D4B-9385-9AF87ADF2C6A}" type="datetimeFigureOut">
               <a:rPr lang="en-US" smtClean="0"/>
-              <a:t>3/18/17</a:t>
+              <a:t>5/13/17</a:t>
             </a:fld>
             <a:endParaRPr lang="en-US"/>
           </a:p>
@@ -2628,7 +2628,7 @@
           <a:p>
             <a:fld id="{5403ACA4-5A36-1D4B-9385-9AF87ADF2C6A}" type="datetimeFigureOut">
               <a:rPr lang="en-US" smtClean="0"/>
-              <a:t>3/18/17</a:t>
+              <a:t>5/13/17</a:t>
             </a:fld>
             <a:endParaRPr lang="en-US"/>
           </a:p>
@@ -2778,7 +2778,7 @@
           <a:p>
             <a:fld id="{5403ACA4-5A36-1D4B-9385-9AF87ADF2C6A}" type="datetimeFigureOut">
               <a:rPr lang="en-US" smtClean="0"/>
-              <a:t>3/18/17</a:t>
+              <a:t>5/13/17</a:t>
             </a:fld>
             <a:endParaRPr lang="en-US"/>
           </a:p>
@@ -2897,7 +2897,7 @@
           <a:p>
             <a:fld id="{5403ACA4-5A36-1D4B-9385-9AF87ADF2C6A}" type="datetimeFigureOut">
               <a:rPr lang="en-US" smtClean="0"/>
-              <a:t>3/18/17</a:t>
+              <a:t>5/13/17</a:t>
             </a:fld>
             <a:endParaRPr lang="en-US"/>
           </a:p>
@@ -3207,7 +3207,7 @@
           <a:p>
             <a:fld id="{5403ACA4-5A36-1D4B-9385-9AF87ADF2C6A}" type="datetimeFigureOut">
               <a:rPr lang="en-US" smtClean="0"/>
-              <a:t>3/18/17</a:t>
+              <a:t>5/13/17</a:t>
             </a:fld>
             <a:endParaRPr lang="en-US"/>
           </a:p>
@@ -3417,7 +3417,7 @@
           <a:p>
             <a:fld id="{D0EB8BDA-D505-2D4C-A404-933AA441AD23}" type="datetimeFigureOut">
               <a:rPr lang="en-US" smtClean="0"/>
-              <a:t>3/18/17</a:t>
+              <a:t>5/13/17</a:t>
             </a:fld>
             <a:endParaRPr lang="en-US"/>
           </a:p>
@@ -3703,7 +3703,7 @@
           <a:p>
             <a:fld id="{5403ACA4-5A36-1D4B-9385-9AF87ADF2C6A}" type="datetimeFigureOut">
               <a:rPr lang="en-US" smtClean="0"/>
-              <a:t>3/18/17</a:t>
+              <a:t>5/13/17</a:t>
             </a:fld>
             <a:endParaRPr lang="en-US"/>
           </a:p>
@@ -3913,7 +3913,7 @@
           <a:p>
             <a:fld id="{5403ACA4-5A36-1D4B-9385-9AF87ADF2C6A}" type="datetimeFigureOut">
               <a:rPr lang="en-US" smtClean="0"/>
-              <a:t>3/18/17</a:t>
+              <a:t>5/13/17</a:t>
             </a:fld>
             <a:endParaRPr lang="en-US"/>
           </a:p>
@@ -4123,7 +4123,7 @@
           <a:p>
             <a:fld id="{5403ACA4-5A36-1D4B-9385-9AF87ADF2C6A}" type="datetimeFigureOut">
               <a:rPr lang="en-US" smtClean="0"/>
-              <a:t>3/18/17</a:t>
+              <a:t>5/13/17</a:t>
             </a:fld>
             <a:endParaRPr lang="en-US"/>
           </a:p>
@@ -4331,7 +4331,7 @@
           <a:p>
             <a:fld id="{5403ACA4-5A36-1D4B-9385-9AF87ADF2C6A}" type="datetimeFigureOut">
               <a:rPr lang="en-US" smtClean="0"/>
-              <a:t>3/18/17</a:t>
+              <a:t>5/13/17</a:t>
             </a:fld>
             <a:endParaRPr lang="en-US"/>
           </a:p>
@@ -4496,7 +4496,7 @@
           <a:p>
             <a:fld id="{5403ACA4-5A36-1D4B-9385-9AF87ADF2C6A}" type="datetimeFigureOut">
               <a:rPr lang="en-US" smtClean="0"/>
-              <a:t>3/18/17</a:t>
+              <a:t>5/13/17</a:t>
             </a:fld>
             <a:endParaRPr lang="en-US"/>
           </a:p>
@@ -4735,7 +4735,7 @@
           <a:p>
             <a:fld id="{5403ACA4-5A36-1D4B-9385-9AF87ADF2C6A}" type="datetimeFigureOut">
               <a:rPr lang="en-US" smtClean="0"/>
-              <a:t>3/18/17</a:t>
+              <a:t>5/13/17</a:t>
             </a:fld>
             <a:endParaRPr lang="en-US"/>
           </a:p>
@@ -4962,7 +4962,7 @@
           <a:p>
             <a:fld id="{5403ACA4-5A36-1D4B-9385-9AF87ADF2C6A}" type="datetimeFigureOut">
               <a:rPr lang="en-US" smtClean="0"/>
-              <a:t>3/18/17</a:t>
+              <a:t>5/13/17</a:t>
             </a:fld>
             <a:endParaRPr lang="en-US"/>
           </a:p>
@@ -5324,7 +5324,7 @@
           <a:p>
             <a:fld id="{5403ACA4-5A36-1D4B-9385-9AF87ADF2C6A}" type="datetimeFigureOut">
               <a:rPr lang="en-US" smtClean="0"/>
-              <a:t>3/18/17</a:t>
+              <a:t>5/13/17</a:t>
             </a:fld>
             <a:endParaRPr lang="en-US"/>
           </a:p>
@@ -5437,7 +5437,7 @@
           <a:p>
             <a:fld id="{5403ACA4-5A36-1D4B-9385-9AF87ADF2C6A}" type="datetimeFigureOut">
               <a:rPr lang="en-US" smtClean="0"/>
-              <a:t>3/18/17</a:t>
+              <a:t>5/13/17</a:t>
             </a:fld>
             <a:endParaRPr lang="en-US"/>
           </a:p>
@@ -5527,7 +5527,7 @@
           <a:p>
             <a:fld id="{5403ACA4-5A36-1D4B-9385-9AF87ADF2C6A}" type="datetimeFigureOut">
               <a:rPr lang="en-US" smtClean="0"/>
-              <a:t>3/18/17</a:t>
+              <a:t>5/13/17</a:t>
             </a:fld>
             <a:endParaRPr lang="en-US"/>
           </a:p>
@@ -5782,7 +5782,7 @@
           <a:p>
             <a:fld id="{D0EB8BDA-D505-2D4C-A404-933AA441AD23}" type="datetimeFigureOut">
               <a:rPr lang="en-US" smtClean="0"/>
-              <a:t>3/18/17</a:t>
+              <a:t>5/13/17</a:t>
             </a:fld>
             <a:endParaRPr lang="en-US"/>
           </a:p>
@@ -6075,7 +6075,7 @@
           <a:p>
             <a:fld id="{5403ACA4-5A36-1D4B-9385-9AF87ADF2C6A}" type="datetimeFigureOut">
               <a:rPr lang="en-US" smtClean="0"/>
-              <a:t>3/18/17</a:t>
+              <a:t>5/13/17</a:t>
             </a:fld>
             <a:endParaRPr lang="en-US"/>
           </a:p>
@@ -6327,7 +6327,7 @@
           <a:p>
             <a:fld id="{5403ACA4-5A36-1D4B-9385-9AF87ADF2C6A}" type="datetimeFigureOut">
               <a:rPr lang="en-US" smtClean="0"/>
-              <a:t>3/18/17</a:t>
+              <a:t>5/13/17</a:t>
             </a:fld>
             <a:endParaRPr lang="en-US"/>
           </a:p>
@@ -6492,7 +6492,7 @@
           <a:p>
             <a:fld id="{5403ACA4-5A36-1D4B-9385-9AF87ADF2C6A}" type="datetimeFigureOut">
               <a:rPr lang="en-US" smtClean="0"/>
-              <a:t>3/18/17</a:t>
+              <a:t>5/13/17</a:t>
             </a:fld>
             <a:endParaRPr lang="en-US"/>
           </a:p>
@@ -6667,7 +6667,7 @@
           <a:p>
             <a:fld id="{5403ACA4-5A36-1D4B-9385-9AF87ADF2C6A}" type="datetimeFigureOut">
               <a:rPr lang="en-US" smtClean="0"/>
-              <a:t>3/18/17</a:t>
+              <a:t>5/13/17</a:t>
             </a:fld>
             <a:endParaRPr lang="en-US"/>
           </a:p>
@@ -6916,7 +6916,7 @@
           <a:p>
             <a:fld id="{D0EB8BDA-D505-2D4C-A404-933AA441AD23}" type="datetimeFigureOut">
               <a:rPr lang="en-US" smtClean="0"/>
-              <a:t>3/18/17</a:t>
+              <a:t>5/13/17</a:t>
             </a:fld>
             <a:endParaRPr lang="en-US"/>
           </a:p>
@@ -7322,7 +7322,7 @@
           <a:p>
             <a:fld id="{D0EB8BDA-D505-2D4C-A404-933AA441AD23}" type="datetimeFigureOut">
               <a:rPr lang="en-US" smtClean="0"/>
-              <a:t>3/18/17</a:t>
+              <a:t>5/13/17</a:t>
             </a:fld>
             <a:endParaRPr lang="en-US"/>
           </a:p>
@@ -7472,7 +7472,7 @@
           <a:p>
             <a:fld id="{D0EB8BDA-D505-2D4C-A404-933AA441AD23}" type="datetimeFigureOut">
               <a:rPr lang="en-US" smtClean="0"/>
-              <a:t>3/18/17</a:t>
+              <a:t>5/13/17</a:t>
             </a:fld>
             <a:endParaRPr lang="en-US"/>
           </a:p>
@@ -7591,7 +7591,7 @@
           <a:p>
             <a:fld id="{D0EB8BDA-D505-2D4C-A404-933AA441AD23}" type="datetimeFigureOut">
               <a:rPr lang="en-US" smtClean="0"/>
-              <a:t>3/18/17</a:t>
+              <a:t>5/13/17</a:t>
             </a:fld>
             <a:endParaRPr lang="en-US"/>
           </a:p>
@@ -7901,7 +7901,7 @@
           <a:p>
             <a:fld id="{D0EB8BDA-D505-2D4C-A404-933AA441AD23}" type="datetimeFigureOut">
               <a:rPr lang="en-US" smtClean="0"/>
-              <a:t>3/18/17</a:t>
+              <a:t>5/13/17</a:t>
             </a:fld>
             <a:endParaRPr lang="en-US"/>
           </a:p>
@@ -8187,7 +8187,7 @@
           <a:p>
             <a:fld id="{D0EB8BDA-D505-2D4C-A404-933AA441AD23}" type="datetimeFigureOut">
               <a:rPr lang="en-US" smtClean="0"/>
-              <a:t>3/18/17</a:t>
+              <a:t>5/13/17</a:t>
             </a:fld>
             <a:endParaRPr lang="en-US"/>
           </a:p>
@@ -9128,7 +9128,7 @@
           <a:p>
             <a:fld id="{C764DE79-268F-4C1A-8933-263129D2AF90}" type="datetimeFigureOut">
               <a:rPr lang="en-US" dirty="0"/>
-              <a:t>3/18/17</a:t>
+              <a:t>5/13/17</a:t>
             </a:fld>
             <a:endParaRPr lang="en-US" dirty="0"/>
           </a:p>
@@ -9569,7 +9569,7 @@
           <a:effectLst/>
           <a:extLst>
             <a:ext uri="{909E8E84-426E-40dd-AFC4-6F175D3DCCD1}">
-              <a14:hiddenFill xmlns:a14="http://schemas.microsoft.com/office/drawing/2010/main" xmlns="">
+              <a14:hiddenFill xmlns="" xmlns:a14="http://schemas.microsoft.com/office/drawing/2010/main">
                 <a:blipFill dpi="0" rotWithShape="0">
                   <a:blip/>
                   <a:srcRect/>
@@ -9580,7 +9580,7 @@
               </a14:hiddenFill>
             </a:ext>
             <a:ext uri="{91240B29-F687-4f45-9708-019B960494DF}">
-              <a14:hiddenLine xmlns:a14="http://schemas.microsoft.com/office/drawing/2010/main" xmlns="" w="9525" cap="flat">
+              <a14:hiddenLine xmlns="" xmlns:a14="http://schemas.microsoft.com/office/drawing/2010/main" w="9525" cap="flat">
                 <a:solidFill>
                   <a:srgbClr val="808080"/>
                 </a:solidFill>
@@ -9590,7 +9590,7 @@
               </a14:hiddenLine>
             </a:ext>
             <a:ext uri="{AF507438-7753-43e0-B8FC-AC1667EBCBE1}">
-              <a14:hiddenEffects xmlns:a14="http://schemas.microsoft.com/office/drawing/2010/main" xmlns="">
+              <a14:hiddenEffects xmlns="" xmlns:a14="http://schemas.microsoft.com/office/drawing/2010/main">
                 <a:effectLst>
                   <a:outerShdw blurRad="63500" dist="38099" dir="2700000" algn="ctr" rotWithShape="0">
                     <a:srgbClr val="000000">
@@ -9628,7 +9628,7 @@
           <a:effectLst/>
           <a:extLst>
             <a:ext uri="{91240B29-F687-4f45-9708-019B960494DF}">
-              <a14:hiddenLine xmlns:a14="http://schemas.microsoft.com/office/drawing/2010/main" xmlns="" w="25560" cap="flat">
+              <a14:hiddenLine xmlns="" xmlns:a14="http://schemas.microsoft.com/office/drawing/2010/main" w="25560" cap="flat">
                 <a:solidFill>
                   <a:srgbClr val="808080"/>
                 </a:solidFill>
@@ -9638,7 +9638,7 @@
               </a14:hiddenLine>
             </a:ext>
             <a:ext uri="{AF507438-7753-43e0-B8FC-AC1667EBCBE1}">
-              <a14:hiddenEffects xmlns:a14="http://schemas.microsoft.com/office/drawing/2010/main" xmlns="">
+              <a14:hiddenEffects xmlns="" xmlns:a14="http://schemas.microsoft.com/office/drawing/2010/main">
                 <a:effectLst>
                   <a:outerShdw blurRad="63500" dist="38099" dir="2700000" algn="ctr" rotWithShape="0">
                     <a:srgbClr val="000000">
@@ -9747,14 +9747,6 @@
               </a:rPr>
               <a:t>Center Announcements</a:t>
             </a:r>
-            <a:endParaRPr lang="en-US" sz="2800" b="1" kern="0" dirty="0">
-              <a:solidFill>
-                <a:srgbClr val="EA7600"/>
-              </a:solidFill>
-              <a:ea typeface="Arial"/>
-              <a:cs typeface="Arial"/>
-              <a:sym typeface="Arial"/>
-            </a:endParaRPr>
           </a:p>
         </p:txBody>
       </p:sp>
@@ -9791,16 +9783,6 @@
               </a:rPr>
               <a:t>Next: 3 OMs</a:t>
             </a:r>
-            <a:endParaRPr lang="en-US" sz="1800" b="1" i="1" kern="0" dirty="0">
-              <a:solidFill>
-                <a:schemeClr val="bg1">
-                  <a:lumMod val="50000"/>
-                </a:schemeClr>
-              </a:solidFill>
-              <a:ea typeface="Arial"/>
-              <a:cs typeface="Arial"/>
-              <a:sym typeface="Arial"/>
-            </a:endParaRPr>
           </a:p>
         </p:txBody>
       </p:sp>
@@ -9839,35 +9821,6 @@
       </p:sp>
       <p:pic>
         <p:nvPicPr>
-          <p:cNvPr id="8" name="Picture 7"/>
-          <p:cNvPicPr>
-            <a:picLocks noChangeAspect="1"/>
-          </p:cNvPicPr>
-          <p:nvPr/>
-        </p:nvPicPr>
-        <p:blipFill rotWithShape="1">
-          <a:blip r:embed="rId2">
-            <a:extLst>
-              <a:ext uri="{28A0092B-C50C-407E-A947-70E740481C1C}">
-                <a14:useLocalDpi xmlns:a14="http://schemas.microsoft.com/office/drawing/2010/main" val="0"/>
-              </a:ext>
-            </a:extLst>
-          </a:blip>
-          <a:srcRect l="5103" t="12791" r="8163" b="6380"/>
-          <a:stretch/>
-        </p:blipFill>
-        <p:spPr>
-          <a:xfrm>
-            <a:off x="8079115" y="857250"/>
-            <a:ext cx="1041137" cy="1164733"/>
-          </a:xfrm>
-          <a:prstGeom prst="rect">
-            <a:avLst/>
-          </a:prstGeom>
-        </p:spPr>
-      </p:pic>
-      <p:pic>
-        <p:nvPicPr>
           <p:cNvPr id="9" name="Picture 8"/>
           <p:cNvPicPr>
             <a:picLocks noChangeAspect="1"/>
@@ -9875,7 +9828,7 @@
           <p:nvPr/>
         </p:nvPicPr>
         <p:blipFill>
-          <a:blip r:embed="rId3">
+          <a:blip r:embed="rId2">
             <a:extLst>
               <a:ext uri="{28A0092B-C50C-407E-A947-70E740481C1C}">
                 <a14:useLocalDpi xmlns:a14="http://schemas.microsoft.com/office/drawing/2010/main" val="0"/>
@@ -9889,7 +9842,7 @@
         <p:spPr>
           <a:xfrm>
             <a:off x="-5774" y="867465"/>
-            <a:ext cx="1003302" cy="1010290"/>
+            <a:ext cx="1222642" cy="1231158"/>
           </a:xfrm>
           <a:prstGeom prst="rect">
             <a:avLst/>
@@ -9945,6 +9898,30 @@
           </a:p>
         </p:txBody>
       </p:sp>
+      <p:pic>
+        <p:nvPicPr>
+          <p:cNvPr id="10" name="Picture 9"/>
+          <p:cNvPicPr>
+            <a:picLocks noChangeAspect="1"/>
+          </p:cNvPicPr>
+          <p:nvPr/>
+        </p:nvPicPr>
+        <p:blipFill>
+          <a:blip r:embed="rId3"/>
+          <a:stretch>
+            <a:fillRect/>
+          </a:stretch>
+        </p:blipFill>
+        <p:spPr>
+          <a:xfrm>
+            <a:off x="7714022" y="867467"/>
+            <a:ext cx="1417946" cy="1533539"/>
+          </a:xfrm>
+          <a:prstGeom prst="rect">
+            <a:avLst/>
+          </a:prstGeom>
+        </p:spPr>
+      </p:pic>
     </p:spTree>
     <p:extLst>
       <p:ext uri="{BB962C8B-B14F-4D97-AF65-F5344CB8AC3E}">
@@ -10043,14 +10020,6 @@
               </a:rPr>
               <a:t>Center Announcements</a:t>
             </a:r>
-            <a:endParaRPr lang="en-US" sz="3200" b="1" kern="0" dirty="0">
-              <a:solidFill>
-                <a:srgbClr val="EA7600"/>
-              </a:solidFill>
-              <a:ea typeface="Arial"/>
-              <a:cs typeface="Arial"/>
-              <a:sym typeface="Arial"/>
-            </a:endParaRPr>
           </a:p>
         </p:txBody>
       </p:sp>
@@ -10195,14 +10164,14 @@
           </a:ln>
           <a:extLst>
             <a:ext uri="{909E8E84-426E-40dd-AFC4-6F175D3DCCD1}">
-              <a14:hiddenFill xmlns:a14="http://schemas.microsoft.com/office/drawing/2010/main" xmlns="">
+              <a14:hiddenFill xmlns="" xmlns:a14="http://schemas.microsoft.com/office/drawing/2010/main">
                 <a:solidFill>
                   <a:srgbClr val="FFFFFF"/>
                 </a:solidFill>
               </a14:hiddenFill>
             </a:ext>
             <a:ext uri="{91240B29-F687-4f45-9708-019B960494DF}">
-              <a14:hiddenLine xmlns:a14="http://schemas.microsoft.com/office/drawing/2010/main" xmlns="" w="9525">
+              <a14:hiddenLine xmlns="" xmlns:a14="http://schemas.microsoft.com/office/drawing/2010/main" w="9525">
                 <a:solidFill>
                   <a:srgbClr val="000000"/>
                 </a:solidFill>
@@ -10230,17 +10199,7 @@
                   </a:schemeClr>
                 </a:solidFill>
               </a:rPr>
-              <a:t>Next: Gayathri </a:t>
-            </a:r>
-            <a:r>
-              <a:rPr lang="en-US" sz="2400" b="1" dirty="0">
-                <a:solidFill>
-                  <a:schemeClr val="bg1">
-                    <a:lumMod val="85000"/>
-                  </a:schemeClr>
-                </a:solidFill>
-              </a:rPr>
-              <a:t>(3x)</a:t>
+              <a:t>Next: Gayathri (3x)</a:t>
             </a:r>
           </a:p>
         </p:txBody>
@@ -10451,8 +10410,8 @@
         </p:blipFill>
         <p:spPr>
           <a:xfrm>
-            <a:off x="-5774" y="867465"/>
-            <a:ext cx="1003302" cy="1010290"/>
+            <a:off x="-5774" y="867464"/>
+            <a:ext cx="1386395" cy="1396051"/>
           </a:xfrm>
           <a:prstGeom prst="rect">
             <a:avLst/>
@@ -10755,17 +10714,33 @@
               </a:rPr>
               <a:t>(3x)</a:t>
             </a:r>
-            <a:endParaRPr lang="en-US" sz="2800" b="1" kern="0" dirty="0">
-              <a:solidFill>
-                <a:srgbClr val="004C97"/>
-              </a:solidFill>
-              <a:ea typeface="Arial"/>
-              <a:cs typeface="Arial"/>
-              <a:sym typeface="Arial"/>
-            </a:endParaRPr>
-          </a:p>
-        </p:txBody>
-      </p:sp>
+          </a:p>
+        </p:txBody>
+      </p:sp>
+      <p:pic>
+        <p:nvPicPr>
+          <p:cNvPr id="7" name="Picture 6"/>
+          <p:cNvPicPr>
+            <a:picLocks noChangeAspect="1"/>
+          </p:cNvPicPr>
+          <p:nvPr/>
+        </p:nvPicPr>
+        <p:blipFill>
+          <a:blip r:embed="rId3"/>
+          <a:stretch>
+            <a:fillRect/>
+          </a:stretch>
+        </p:blipFill>
+        <p:spPr>
+          <a:xfrm>
+            <a:off x="7714022" y="867467"/>
+            <a:ext cx="1417946" cy="1533539"/>
+          </a:xfrm>
+          <a:prstGeom prst="rect">
+            <a:avLst/>
+          </a:prstGeom>
+        </p:spPr>
+      </p:pic>
     </p:spTree>
     <p:extLst>
       <p:ext uri="{BB962C8B-B14F-4D97-AF65-F5344CB8AC3E}">
